--- a/week3_real_word_SD.pptx
+++ b/week3_real_word_SD.pptx
@@ -7783,11 +7783,7 @@
           <a:p>
             <a:r>
               <a:rPr lang="en-US" dirty="0"/>
-              <a:t>… easier said than </a:t>
-            </a:r>
-            <a:r>
-              <a:rPr lang="en-US"/>
-              <a:t>done – subjective AF. </a:t>
+              <a:t>… easier said than done – subjective AF. </a:t>
             </a:r>
           </a:p>
         </p:txBody>
